--- a/Conception/MyFoot.pptx
+++ b/Conception/MyFoot.pptx
@@ -429,7 +429,8 @@
           <a:p>
             <a:fld id="{05196A4D-A3E9-498C-A478-1EE56A8416CC}" type="datetimeFigureOut">
               <a:rPr lang="fr-FR" smtClean="0"/>
-              <a:t>08/06/2021</a:t>
+              <a:pPr/>
+              <a:t>09/06/2021</a:t>
             </a:fld>
             <a:endParaRPr lang="fr-FR"/>
           </a:p>
@@ -475,6 +476,7 @@
           <a:p>
             <a:fld id="{F53068FA-9509-4292-97D3-3FB504A72BD1}" type="slidenum">
               <a:rPr lang="fr-FR" smtClean="0"/>
+              <a:pPr/>
               <a:t>‹#›</a:t>
             </a:fld>
             <a:endParaRPr lang="fr-FR"/>
@@ -614,7 +616,8 @@
           <a:p>
             <a:fld id="{05196A4D-A3E9-498C-A478-1EE56A8416CC}" type="datetimeFigureOut">
               <a:rPr lang="fr-FR" smtClean="0"/>
-              <a:t>08/06/2021</a:t>
+              <a:pPr/>
+              <a:t>09/06/2021</a:t>
             </a:fld>
             <a:endParaRPr lang="fr-FR"/>
           </a:p>
@@ -660,6 +663,7 @@
           <a:p>
             <a:fld id="{F53068FA-9509-4292-97D3-3FB504A72BD1}" type="slidenum">
               <a:rPr lang="fr-FR" smtClean="0"/>
+              <a:pPr/>
               <a:t>‹#›</a:t>
             </a:fld>
             <a:endParaRPr lang="fr-FR"/>
@@ -799,7 +803,8 @@
           <a:p>
             <a:fld id="{05196A4D-A3E9-498C-A478-1EE56A8416CC}" type="datetimeFigureOut">
               <a:rPr lang="fr-FR" smtClean="0"/>
-              <a:t>08/06/2021</a:t>
+              <a:pPr/>
+              <a:t>09/06/2021</a:t>
             </a:fld>
             <a:endParaRPr lang="fr-FR"/>
           </a:p>
@@ -845,6 +850,7 @@
           <a:p>
             <a:fld id="{F53068FA-9509-4292-97D3-3FB504A72BD1}" type="slidenum">
               <a:rPr lang="fr-FR" smtClean="0"/>
+              <a:pPr/>
               <a:t>‹#›</a:t>
             </a:fld>
             <a:endParaRPr lang="fr-FR"/>
@@ -984,7 +990,8 @@
           <a:p>
             <a:fld id="{05196A4D-A3E9-498C-A478-1EE56A8416CC}" type="datetimeFigureOut">
               <a:rPr lang="fr-FR" smtClean="0"/>
-              <a:t>08/06/2021</a:t>
+              <a:pPr/>
+              <a:t>09/06/2021</a:t>
             </a:fld>
             <a:endParaRPr lang="fr-FR"/>
           </a:p>
@@ -1030,6 +1037,7 @@
           <a:p>
             <a:fld id="{F53068FA-9509-4292-97D3-3FB504A72BD1}" type="slidenum">
               <a:rPr lang="fr-FR" smtClean="0"/>
+              <a:pPr/>
               <a:t>‹#›</a:t>
             </a:fld>
             <a:endParaRPr lang="fr-FR"/>
@@ -1365,7 +1373,8 @@
           <a:p>
             <a:fld id="{05196A4D-A3E9-498C-A478-1EE56A8416CC}" type="datetimeFigureOut">
               <a:rPr lang="fr-FR" smtClean="0"/>
-              <a:t>08/06/2021</a:t>
+              <a:pPr/>
+              <a:t>09/06/2021</a:t>
             </a:fld>
             <a:endParaRPr lang="fr-FR"/>
           </a:p>
@@ -1411,6 +1420,7 @@
           <a:p>
             <a:fld id="{F53068FA-9509-4292-97D3-3FB504A72BD1}" type="slidenum">
               <a:rPr lang="fr-FR" smtClean="0"/>
+              <a:pPr/>
               <a:t>‹#›</a:t>
             </a:fld>
             <a:endParaRPr lang="fr-FR"/>
@@ -1634,7 +1644,8 @@
           <a:p>
             <a:fld id="{05196A4D-A3E9-498C-A478-1EE56A8416CC}" type="datetimeFigureOut">
               <a:rPr lang="fr-FR" smtClean="0"/>
-              <a:t>08/06/2021</a:t>
+              <a:pPr/>
+              <a:t>09/06/2021</a:t>
             </a:fld>
             <a:endParaRPr lang="fr-FR"/>
           </a:p>
@@ -1680,6 +1691,7 @@
           <a:p>
             <a:fld id="{F53068FA-9509-4292-97D3-3FB504A72BD1}" type="slidenum">
               <a:rPr lang="fr-FR" smtClean="0"/>
+              <a:pPr/>
               <a:t>‹#›</a:t>
             </a:fld>
             <a:endParaRPr lang="fr-FR"/>
@@ -2019,7 +2031,8 @@
           <a:p>
             <a:fld id="{05196A4D-A3E9-498C-A478-1EE56A8416CC}" type="datetimeFigureOut">
               <a:rPr lang="fr-FR" smtClean="0"/>
-              <a:t>08/06/2021</a:t>
+              <a:pPr/>
+              <a:t>09/06/2021</a:t>
             </a:fld>
             <a:endParaRPr lang="fr-FR"/>
           </a:p>
@@ -2065,6 +2078,7 @@
           <a:p>
             <a:fld id="{F53068FA-9509-4292-97D3-3FB504A72BD1}" type="slidenum">
               <a:rPr lang="fr-FR" smtClean="0"/>
+              <a:pPr/>
               <a:t>‹#›</a:t>
             </a:fld>
             <a:endParaRPr lang="fr-FR"/>
@@ -2140,7 +2154,8 @@
           <a:p>
             <a:fld id="{05196A4D-A3E9-498C-A478-1EE56A8416CC}" type="datetimeFigureOut">
               <a:rPr lang="fr-FR" smtClean="0"/>
-              <a:t>08/06/2021</a:t>
+              <a:pPr/>
+              <a:t>09/06/2021</a:t>
             </a:fld>
             <a:endParaRPr lang="fr-FR"/>
           </a:p>
@@ -2186,6 +2201,7 @@
           <a:p>
             <a:fld id="{F53068FA-9509-4292-97D3-3FB504A72BD1}" type="slidenum">
               <a:rPr lang="fr-FR" smtClean="0"/>
+              <a:pPr/>
               <a:t>‹#›</a:t>
             </a:fld>
             <a:endParaRPr lang="fr-FR"/>
@@ -2320,7 +2336,8 @@
           <a:p>
             <a:fld id="{05196A4D-A3E9-498C-A478-1EE56A8416CC}" type="datetimeFigureOut">
               <a:rPr lang="fr-FR" smtClean="0"/>
-              <a:t>08/06/2021</a:t>
+              <a:pPr/>
+              <a:t>09/06/2021</a:t>
             </a:fld>
             <a:endParaRPr lang="fr-FR"/>
           </a:p>
@@ -2366,6 +2383,7 @@
           <a:p>
             <a:fld id="{F53068FA-9509-4292-97D3-3FB504A72BD1}" type="slidenum">
               <a:rPr lang="fr-FR" smtClean="0"/>
+              <a:pPr/>
               <a:t>‹#›</a:t>
             </a:fld>
             <a:endParaRPr lang="fr-FR"/>
@@ -2654,7 +2672,8 @@
           <a:p>
             <a:fld id="{05196A4D-A3E9-498C-A478-1EE56A8416CC}" type="datetimeFigureOut">
               <a:rPr lang="fr-FR" smtClean="0"/>
-              <a:t>08/06/2021</a:t>
+              <a:pPr/>
+              <a:t>09/06/2021</a:t>
             </a:fld>
             <a:endParaRPr lang="fr-FR"/>
           </a:p>
@@ -2700,6 +2719,7 @@
           <a:p>
             <a:fld id="{F53068FA-9509-4292-97D3-3FB504A72BD1}" type="slidenum">
               <a:rPr lang="fr-FR" smtClean="0"/>
+              <a:pPr/>
               <a:t>‹#›</a:t>
             </a:fld>
             <a:endParaRPr lang="fr-FR"/>
@@ -3023,7 +3043,8 @@
           <a:p>
             <a:fld id="{05196A4D-A3E9-498C-A478-1EE56A8416CC}" type="datetimeFigureOut">
               <a:rPr lang="fr-FR" smtClean="0"/>
-              <a:t>08/06/2021</a:t>
+              <a:pPr/>
+              <a:t>09/06/2021</a:t>
             </a:fld>
             <a:endParaRPr lang="fr-FR"/>
           </a:p>
@@ -3069,6 +3090,7 @@
           <a:p>
             <a:fld id="{F53068FA-9509-4292-97D3-3FB504A72BD1}" type="slidenum">
               <a:rPr lang="fr-FR" smtClean="0"/>
+              <a:pPr/>
               <a:t>‹#›</a:t>
             </a:fld>
             <a:endParaRPr lang="fr-FR"/>
@@ -3441,7 +3463,8 @@
           <a:p>
             <a:fld id="{05196A4D-A3E9-498C-A478-1EE56A8416CC}" type="datetimeFigureOut">
               <a:rPr lang="fr-FR" smtClean="0"/>
-              <a:t>08/06/2021</a:t>
+              <a:pPr/>
+              <a:t>09/06/2021</a:t>
             </a:fld>
             <a:endParaRPr lang="fr-FR"/>
           </a:p>
@@ -3521,6 +3544,7 @@
           <a:p>
             <a:fld id="{F53068FA-9509-4292-97D3-3FB504A72BD1}" type="slidenum">
               <a:rPr lang="fr-FR" smtClean="0"/>
+              <a:pPr/>
               <a:t>‹#›</a:t>
             </a:fld>
             <a:endParaRPr lang="fr-FR"/>
@@ -3940,27 +3964,37 @@
                   </a:schemeClr>
                 </a:solidFill>
               </a:rPr>
-              <a:t>                                       (</a:t>
-            </a:r>
-            <a:r>
-              <a:rPr lang="fr-FR" b="1" dirty="0" err="1">
+              <a:t>                                       </a:t>
+            </a:r>
+            <a:r>
+              <a:rPr lang="fr-FR" b="1" dirty="0" smtClean="0">
                 <a:solidFill>
                   <a:schemeClr val="accent1">
                     <a:lumMod val="75000"/>
                   </a:schemeClr>
                 </a:solidFill>
               </a:rPr>
-              <a:t>My</a:t>
-            </a:r>
-            <a:r>
-              <a:rPr lang="fr-FR" b="1" dirty="0">
+              <a:t>(</a:t>
+            </a:r>
+            <a:r>
+              <a:rPr lang="fr-FR" b="1" dirty="0" err="1" smtClean="0">
                 <a:solidFill>
                   <a:schemeClr val="accent1">
                     <a:lumMod val="75000"/>
                   </a:schemeClr>
                 </a:solidFill>
               </a:rPr>
-              <a:t> Foot)</a:t>
+              <a:t>Takwira</a:t>
+            </a:r>
+            <a:r>
+              <a:rPr lang="fr-FR" b="1" dirty="0" smtClean="0">
+                <a:solidFill>
+                  <a:schemeClr val="accent1">
+                    <a:lumMod val="75000"/>
+                  </a:schemeClr>
+                </a:solidFill>
+              </a:rPr>
+              <a:t>)</a:t>
             </a:r>
             <a:endParaRPr lang="fr-FR" dirty="0">
               <a:solidFill>
@@ -4835,7 +4869,15 @@
           <a:p>
             <a:r>
               <a:rPr lang="fr-FR" dirty="0" smtClean="0"/>
-              <a:t>Un Arbitre est une personne, il peut participer dans des compétences</a:t>
+              <a:t>Un Arbitre est une personne, il peut participer dans des </a:t>
+            </a:r>
+            <a:r>
+              <a:rPr lang="fr-FR" dirty="0" err="1" smtClean="0"/>
+              <a:t>competions</a:t>
+            </a:r>
+            <a:r>
+              <a:rPr lang="fr-FR" dirty="0" smtClean="0"/>
+              <a:t>.</a:t>
             </a:r>
             <a:endParaRPr lang="fr-FR" dirty="0"/>
           </a:p>
@@ -5614,7 +5656,7 @@
         <p:spPr>
           <a:xfrm>
             <a:off x="500034" y="1571612"/>
-            <a:ext cx="8143932" cy="3816429"/>
+            <a:ext cx="8143932" cy="4247317"/>
           </a:xfrm>
           <a:prstGeom prst="rect">
             <a:avLst/>
@@ -5632,16 +5674,12 @@
               <a:buChar char="ü"/>
             </a:pPr>
             <a:r>
-              <a:rPr lang="fr-FR" sz="1400" dirty="0" err="1"/>
-              <a:t>My</a:t>
-            </a:r>
-            <a:r>
-              <a:rPr lang="fr-FR" sz="1400" dirty="0"/>
-              <a:t> Foot </a:t>
+              <a:rPr lang="fr-FR" sz="1400" dirty="0" err="1" smtClean="0"/>
+              <a:t>Takwira</a:t>
             </a:r>
             <a:r>
               <a:rPr lang="fr-FR" sz="1400" dirty="0" smtClean="0"/>
-              <a:t>une </a:t>
+              <a:t> une </a:t>
             </a:r>
             <a:r>
               <a:rPr lang="fr-FR" sz="1400" dirty="0" err="1" smtClean="0"/>
@@ -5703,6 +5741,24 @@
               <a:rPr lang="fr-FR" sz="1400" dirty="0" smtClean="0"/>
               <a:t>équipes</a:t>
             </a:r>
+          </a:p>
+          <a:p>
+            <a:pPr lvl="0">
+              <a:buFont typeface="Wingdings" pitchFamily="2" charset="2"/>
+              <a:buChar char="ü"/>
+            </a:pPr>
+            <a:endParaRPr lang="fr-FR" sz="1400" dirty="0" smtClean="0"/>
+          </a:p>
+          <a:p>
+            <a:pPr lvl="0">
+              <a:buFont typeface="Wingdings" pitchFamily="2" charset="2"/>
+              <a:buChar char="ü"/>
+            </a:pPr>
+            <a:r>
+              <a:rPr lang="fr-FR" sz="1400" dirty="0" smtClean="0"/>
+              <a:t>Gestion des tickets</a:t>
+            </a:r>
+            <a:endParaRPr lang="fr-FR" sz="1400" dirty="0" smtClean="0"/>
           </a:p>
           <a:p>
             <a:pPr lvl="0"/>
@@ -5797,7 +5853,7 @@
         </p:blipFill>
         <p:spPr>
           <a:xfrm>
-            <a:off x="5286380" y="4429132"/>
+            <a:off x="5357818" y="5072074"/>
             <a:ext cx="2095500" cy="1394460"/>
           </a:xfrm>
           <a:prstGeom prst="rect">
@@ -6022,7 +6078,7 @@
         <p:spPr>
           <a:xfrm>
             <a:off x="571472" y="1357299"/>
-            <a:ext cx="7929618" cy="3693319"/>
+            <a:ext cx="7929618" cy="3970318"/>
           </a:xfrm>
           <a:prstGeom prst="rect">
             <a:avLst/>
@@ -6073,12 +6129,22 @@
             </a:endParaRPr>
           </a:p>
           <a:p>
-            <a:pPr lvl="0">
-              <a:buFont typeface="Wingdings" pitchFamily="2" charset="2"/>
-              <a:buChar char="Ø"/>
-            </a:pPr>
+            <a:pPr lvl="0"/>
+            <a:r>
+              <a:rPr lang="fr-FR" dirty="0" smtClean="0">
+                <a:solidFill>
+                  <a:srgbClr val="FF0000"/>
+                </a:solidFill>
+                <a:latin typeface="Times New Roman" pitchFamily="18" charset="0"/>
+                <a:cs typeface="Times New Roman" pitchFamily="18" charset="0"/>
+              </a:rPr>
+              <a:t>                                                        </a:t>
+            </a:r>
             <a:r>
               <a:rPr lang="fr-FR" dirty="0" err="1" smtClean="0">
+                <a:solidFill>
+                  <a:srgbClr val="FF0000"/>
+                </a:solidFill>
                 <a:latin typeface="Times New Roman" pitchFamily="18" charset="0"/>
                 <a:cs typeface="Times New Roman" pitchFamily="18" charset="0"/>
               </a:rPr>
@@ -6086,11 +6152,21 @@
             </a:r>
             <a:r>
               <a:rPr lang="fr-FR" dirty="0" smtClean="0">
+                <a:solidFill>
+                  <a:srgbClr val="FF0000"/>
+                </a:solidFill>
                 <a:latin typeface="Times New Roman" pitchFamily="18" charset="0"/>
                 <a:cs typeface="Times New Roman" pitchFamily="18" charset="0"/>
               </a:rPr>
-              <a:t> :</a:t>
-            </a:r>
+              <a:t> </a:t>
+            </a:r>
+            <a:endParaRPr lang="fr-FR" dirty="0" smtClean="0">
+              <a:solidFill>
+                <a:srgbClr val="FF0000"/>
+              </a:solidFill>
+              <a:latin typeface="Times New Roman" pitchFamily="18" charset="0"/>
+              <a:cs typeface="Times New Roman" pitchFamily="18" charset="0"/>
+            </a:endParaRPr>
           </a:p>
           <a:p>
             <a:pPr lvl="0"/>
@@ -6100,27 +6176,61 @@
             </a:endParaRPr>
           </a:p>
           <a:p>
-            <a:pPr lvl="0"/>
+            <a:pPr lvl="0">
+              <a:buFont typeface="Wingdings" pitchFamily="2" charset="2"/>
+              <a:buChar char="Ø"/>
+            </a:pPr>
             <a:r>
               <a:rPr lang="fr-FR" dirty="0" smtClean="0">
                 <a:latin typeface="Times New Roman" pitchFamily="18" charset="0"/>
                 <a:cs typeface="Times New Roman" pitchFamily="18" charset="0"/>
               </a:rPr>
-              <a:t> Il y a plusieurs application qui permet a l’utilisateur</a:t>
+              <a:t> Il y a plusieurs application qui permet a l’utilisateur de suivre les matchs des clubs, de consulter les résultats, et de voir des statistiques des match, mais il n’ya pas une application qui permet de gérer des compétitions entre </a:t>
             </a:r>
             <a:r>
               <a:rPr lang="fr-FR" dirty="0" smtClean="0">
                 <a:latin typeface="Times New Roman" pitchFamily="18" charset="0"/>
                 <a:cs typeface="Times New Roman" pitchFamily="18" charset="0"/>
               </a:rPr>
-              <a:t> de suivre les matchs des clubs, de consulter les résultats, et de voir des statistiques des match, mais il n’ya pas une application qui permet de gérer des compétitions entre des équipes de football, une application qui permet d’organiser une compétition entre des équipe</a:t>
-            </a:r>
+              <a:t>des</a:t>
+            </a:r>
+          </a:p>
+          <a:p>
+            <a:pPr lvl="0"/>
             <a:r>
               <a:rPr lang="fr-FR" dirty="0" smtClean="0">
                 <a:latin typeface="Times New Roman" pitchFamily="18" charset="0"/>
                 <a:cs typeface="Times New Roman" pitchFamily="18" charset="0"/>
               </a:rPr>
-              <a:t>.</a:t>
+              <a:t>équipes </a:t>
+            </a:r>
+            <a:r>
+              <a:rPr lang="fr-FR" dirty="0" smtClean="0">
+                <a:latin typeface="Times New Roman" pitchFamily="18" charset="0"/>
+                <a:cs typeface="Times New Roman" pitchFamily="18" charset="0"/>
+              </a:rPr>
+              <a:t>de football, une application qui permet d’organiser une </a:t>
+            </a:r>
+            <a:endParaRPr lang="fr-FR" dirty="0" smtClean="0">
+              <a:latin typeface="Times New Roman" pitchFamily="18" charset="0"/>
+              <a:cs typeface="Times New Roman" pitchFamily="18" charset="0"/>
+            </a:endParaRPr>
+          </a:p>
+          <a:p>
+            <a:pPr lvl="0"/>
+            <a:r>
+              <a:rPr lang="fr-FR" dirty="0" smtClean="0">
+                <a:latin typeface="Times New Roman" pitchFamily="18" charset="0"/>
+                <a:cs typeface="Times New Roman" pitchFamily="18" charset="0"/>
+              </a:rPr>
+              <a:t>compétition </a:t>
+            </a:r>
+            <a:r>
+              <a:rPr lang="fr-FR" dirty="0" smtClean="0">
+                <a:latin typeface="Times New Roman" pitchFamily="18" charset="0"/>
+                <a:cs typeface="Times New Roman" pitchFamily="18" charset="0"/>
+              </a:rPr>
+              <a:t>entre des équipe.</a:t>
             </a:r>
           </a:p>
           <a:p>
@@ -6163,8 +6273,8 @@
           </a:stretch>
         </p:blipFill>
         <p:spPr>
-          <a:xfrm rot="1183153">
-            <a:off x="6912110" y="4159334"/>
+          <a:xfrm rot="1984872">
+            <a:off x="6550800" y="3967119"/>
             <a:ext cx="1616663" cy="1448520"/>
           </a:xfrm>
           <a:prstGeom prst="rect">
@@ -6378,8 +6488,8 @@
         </p:blipFill>
         <p:spPr>
           <a:xfrm>
-            <a:off x="714348" y="2500306"/>
-            <a:ext cx="5357850" cy="2518190"/>
+            <a:off x="785786" y="1928802"/>
+            <a:ext cx="4286280" cy="2014552"/>
           </a:xfrm>
           <a:prstGeom prst="rect">
             <a:avLst/>
@@ -6412,7 +6522,7 @@
         </p:blipFill>
         <p:spPr>
           <a:xfrm rot="20976783">
-            <a:off x="6781498" y="4794140"/>
+            <a:off x="5709930" y="2293811"/>
             <a:ext cx="1753027" cy="895447"/>
           </a:xfrm>
           <a:prstGeom prst="ellipse">
@@ -6444,6 +6554,129 @@
           </a:sp3d>
         </p:spPr>
       </p:pic>
+      <p:sp>
+        <p:nvSpPr>
+          <p:cNvPr id="5" name="TextBox 4"/>
+          <p:cNvSpPr txBox="1"/>
+          <p:nvPr/>
+        </p:nvSpPr>
+        <p:spPr>
+          <a:xfrm>
+            <a:off x="500034" y="4143380"/>
+            <a:ext cx="8358246" cy="1938992"/>
+          </a:xfrm>
+          <a:prstGeom prst="rect">
+            <a:avLst/>
+          </a:prstGeom>
+          <a:noFill/>
+        </p:spPr>
+        <p:txBody>
+          <a:bodyPr wrap="square" rtlCol="0">
+            <a:spAutoFit/>
+          </a:bodyPr>
+          <a:lstStyle/>
+          <a:p>
+            <a:r>
+              <a:rPr lang="fr-FR" sz="1600" dirty="0" smtClean="0"/>
+              <a:t>         </a:t>
+            </a:r>
+            <a:r>
+              <a:rPr lang="fr-FR" sz="1600" dirty="0" smtClean="0">
+                <a:sym typeface="Wingdings" pitchFamily="2" charset="2"/>
+              </a:rPr>
+              <a:t></a:t>
+            </a:r>
+            <a:r>
+              <a:rPr lang="fr-FR" sz="1600" dirty="0" smtClean="0"/>
+              <a:t> Les points forts:                                </a:t>
+            </a:r>
+            <a:r>
+              <a:rPr lang="fr-FR" sz="1600" dirty="0" smtClean="0">
+                <a:sym typeface="Wingdings" pitchFamily="2" charset="2"/>
+              </a:rPr>
+              <a:t></a:t>
+            </a:r>
+            <a:r>
+              <a:rPr lang="fr-FR" sz="1600" dirty="0" smtClean="0"/>
+              <a:t>   Les </a:t>
+            </a:r>
+            <a:r>
+              <a:rPr lang="fr-FR" sz="1600" dirty="0" smtClean="0"/>
+              <a:t>points faibles</a:t>
+            </a:r>
+            <a:r>
+              <a:rPr lang="fr-FR" sz="1600" dirty="0" smtClean="0"/>
+              <a:t>:</a:t>
+            </a:r>
+          </a:p>
+          <a:p>
+            <a:r>
+              <a:rPr lang="fr-FR" sz="1600" dirty="0" smtClean="0"/>
+              <a:t>*Informations bien décrites.              *Les tarifs sont très chers.</a:t>
+            </a:r>
+          </a:p>
+          <a:p>
+            <a:r>
+              <a:rPr lang="fr-FR" sz="1600" dirty="0" smtClean="0"/>
+              <a:t>*Site </a:t>
+            </a:r>
+            <a:r>
+              <a:rPr lang="fr-FR" sz="1600" dirty="0" smtClean="0"/>
+              <a:t>structuré</a:t>
+            </a:r>
+            <a:r>
+              <a:rPr lang="fr-FR" sz="1600" dirty="0" smtClean="0"/>
+              <a:t>.                                *Mal </a:t>
+            </a:r>
+            <a:r>
+              <a:rPr lang="fr-FR" sz="1600" dirty="0" smtClean="0"/>
+              <a:t>organisation du site.</a:t>
+            </a:r>
+          </a:p>
+          <a:p>
+            <a:r>
+              <a:rPr lang="fr-FR" sz="1600" dirty="0" smtClean="0"/>
+              <a:t>*Le </a:t>
+            </a:r>
+            <a:r>
+              <a:rPr lang="fr-FR" sz="1600" dirty="0" smtClean="0"/>
+              <a:t>temps de chargement </a:t>
+            </a:r>
+            <a:r>
+              <a:rPr lang="fr-FR" sz="1600" dirty="0" smtClean="0"/>
+              <a:t>                *Le </a:t>
+            </a:r>
+            <a:r>
+              <a:rPr lang="fr-FR" sz="1600" dirty="0" smtClean="0"/>
+              <a:t>design n’est pas intéressant.</a:t>
+            </a:r>
+          </a:p>
+          <a:p>
+            <a:r>
+              <a:rPr lang="fr-FR" sz="1600" dirty="0" smtClean="0"/>
+              <a:t>    des </a:t>
+            </a:r>
+            <a:r>
+              <a:rPr lang="fr-FR" sz="1600" dirty="0" smtClean="0"/>
+              <a:t>pages est rapide</a:t>
+            </a:r>
+            <a:r>
+              <a:rPr lang="fr-FR" sz="1600" dirty="0" smtClean="0"/>
+              <a:t>.                    *Un </a:t>
+            </a:r>
+            <a:r>
+              <a:rPr lang="fr-FR" sz="1600" dirty="0" smtClean="0"/>
+              <a:t>seul partenaire donc un seul choix.</a:t>
+            </a:r>
+          </a:p>
+          <a:p>
+            <a:endParaRPr lang="fr-FR" dirty="0" smtClean="0"/>
+          </a:p>
+          <a:p>
+            <a:endParaRPr lang="fr-FR" dirty="0" smtClean="0"/>
+          </a:p>
+        </p:txBody>
+      </p:sp>
     </p:spTree>
   </p:cSld>
   <p:clrMapOvr>
@@ -6478,7 +6711,7 @@
         <p:spPr>
           <a:xfrm>
             <a:off x="714348" y="785794"/>
-            <a:ext cx="7643866" cy="4247317"/>
+            <a:ext cx="7643866" cy="2585323"/>
           </a:xfrm>
           <a:prstGeom prst="rect">
             <a:avLst/>
@@ -6523,58 +6756,12 @@
             <a:endParaRPr lang="fr-FR" dirty="0" smtClean="0"/>
           </a:p>
           <a:p>
-            <a:pPr lvl="0">
-              <a:buFont typeface="Wingdings" pitchFamily="2" charset="2"/>
-              <a:buChar char="Ø"/>
-            </a:pPr>
-            <a:endParaRPr lang="fr-FR" dirty="0" smtClean="0"/>
-          </a:p>
-          <a:p>
-            <a:pPr>
-              <a:buFont typeface="Wingdings" pitchFamily="2" charset="2"/>
-              <a:buChar char="Ø"/>
-            </a:pPr>
-            <a:r>
-              <a:rPr lang="fr-FR" b="1" dirty="0" err="1">
-                <a:latin typeface="Times New Roman" pitchFamily="18" charset="0"/>
-                <a:cs typeface="Times New Roman" pitchFamily="18" charset="0"/>
-              </a:rPr>
-              <a:t>Forza</a:t>
-            </a:r>
             <a:r>
               <a:rPr lang="fr-FR" dirty="0">
                 <a:latin typeface="Times New Roman" pitchFamily="18" charset="0"/>
                 <a:cs typeface="Times New Roman" pitchFamily="18" charset="0"/>
               </a:rPr>
-              <a:t> est </a:t>
-            </a:r>
-            <a:r>
-              <a:rPr lang="fr-FR" dirty="0" smtClean="0">
-                <a:latin typeface="Times New Roman" pitchFamily="18" charset="0"/>
-                <a:cs typeface="Times New Roman" pitchFamily="18" charset="0"/>
-              </a:rPr>
-              <a:t>la meilleur </a:t>
-            </a:r>
-            <a:r>
-              <a:rPr lang="fr-FR" dirty="0">
-                <a:latin typeface="Times New Roman" pitchFamily="18" charset="0"/>
-                <a:cs typeface="Times New Roman" pitchFamily="18" charset="0"/>
-              </a:rPr>
-              <a:t>allié pour scores en direct et notifications push, sondages d'opinion et temps forts en vidéo pour plus de 420 ligues et coupes de football dans le monde entier. En plus d'être une application de scores en direct connue et appréciée à l'échelle internationale, </a:t>
-            </a:r>
-            <a:r>
-              <a:rPr lang="fr-FR" dirty="0" err="1">
-                <a:latin typeface="Times New Roman" pitchFamily="18" charset="0"/>
-                <a:cs typeface="Times New Roman" pitchFamily="18" charset="0"/>
-              </a:rPr>
-              <a:t>Forza</a:t>
-            </a:r>
-            <a:r>
-              <a:rPr lang="fr-FR" dirty="0">
-                <a:latin typeface="Times New Roman" pitchFamily="18" charset="0"/>
-                <a:cs typeface="Times New Roman" pitchFamily="18" charset="0"/>
-              </a:rPr>
-              <a:t> Football est également en train de changer le visage du football en libérant et partageant l'opinion collective des fans partout dans le monde.</a:t>
+              <a:t/>
             </a:r>
             <a:br>
               <a:rPr lang="fr-FR" dirty="0">
@@ -6654,7 +6841,7 @@
         </p:blipFill>
         <p:spPr>
           <a:xfrm>
-            <a:off x="785786" y="3571876"/>
+            <a:off x="1142976" y="1500174"/>
             <a:ext cx="4424207" cy="2138525"/>
           </a:xfrm>
           <a:prstGeom prst="rect">
@@ -6688,8 +6875,8 @@
         </p:blipFill>
         <p:spPr>
           <a:xfrm rot="20731605">
-            <a:off x="6675843" y="4581366"/>
-            <a:ext cx="1926202" cy="1073456"/>
+            <a:off x="3003231" y="5018217"/>
+            <a:ext cx="1381814" cy="770073"/>
           </a:xfrm>
           <a:prstGeom prst="ellipse">
             <a:avLst/>
@@ -6720,6 +6907,133 @@
           </a:sp3d>
         </p:spPr>
       </p:pic>
+      <p:sp>
+        <p:nvSpPr>
+          <p:cNvPr id="7" name="TextBox 6"/>
+          <p:cNvSpPr txBox="1"/>
+          <p:nvPr/>
+        </p:nvSpPr>
+        <p:spPr>
+          <a:xfrm>
+            <a:off x="500034" y="4000504"/>
+            <a:ext cx="8358246" cy="1877437"/>
+          </a:xfrm>
+          <a:prstGeom prst="rect">
+            <a:avLst/>
+          </a:prstGeom>
+          <a:noFill/>
+        </p:spPr>
+        <p:txBody>
+          <a:bodyPr wrap="square" rtlCol="0">
+            <a:spAutoFit/>
+          </a:bodyPr>
+          <a:lstStyle/>
+          <a:p>
+            <a:r>
+              <a:rPr lang="fr-FR" sz="1600" dirty="0" smtClean="0"/>
+              <a:t>         </a:t>
+            </a:r>
+            <a:r>
+              <a:rPr lang="fr-FR" sz="1600" dirty="0" smtClean="0">
+                <a:sym typeface="Wingdings" pitchFamily="2" charset="2"/>
+              </a:rPr>
+              <a:t></a:t>
+            </a:r>
+            <a:r>
+              <a:rPr lang="fr-FR" sz="1600" dirty="0" smtClean="0"/>
+              <a:t> Les points forts:                                </a:t>
+            </a:r>
+            <a:r>
+              <a:rPr lang="fr-FR" sz="1600" dirty="0" smtClean="0">
+                <a:sym typeface="Wingdings" pitchFamily="2" charset="2"/>
+              </a:rPr>
+              <a:t></a:t>
+            </a:r>
+            <a:r>
+              <a:rPr lang="fr-FR" sz="1600" dirty="0" smtClean="0"/>
+              <a:t>   Les </a:t>
+            </a:r>
+            <a:r>
+              <a:rPr lang="fr-FR" sz="1600" dirty="0" smtClean="0"/>
+              <a:t>points faibles</a:t>
+            </a:r>
+            <a:r>
+              <a:rPr lang="fr-FR" sz="1600" dirty="0" smtClean="0"/>
+              <a:t>:</a:t>
+            </a:r>
+          </a:p>
+          <a:p>
+            <a:r>
+              <a:rPr lang="fr-FR" sz="1600" dirty="0" smtClean="0"/>
+              <a:t>*Informations bien décrites.              *Les tarifs sont très chers.</a:t>
+            </a:r>
+          </a:p>
+          <a:p>
+            <a:r>
+              <a:rPr lang="fr-FR" sz="1600" dirty="0" smtClean="0"/>
+              <a:t>*Site </a:t>
+            </a:r>
+            <a:r>
+              <a:rPr lang="fr-FR" sz="1600" dirty="0" smtClean="0"/>
+              <a:t>structuré</a:t>
+            </a:r>
+            <a:r>
+              <a:rPr lang="fr-FR" sz="1600" dirty="0" smtClean="0"/>
+              <a:t>.                                *Mal </a:t>
+            </a:r>
+            <a:r>
+              <a:rPr lang="fr-FR" sz="1600" dirty="0" smtClean="0"/>
+              <a:t>organisation du site</a:t>
+            </a:r>
+            <a:r>
+              <a:rPr lang="fr-FR" sz="1600" dirty="0" smtClean="0"/>
+              <a:t>.</a:t>
+            </a:r>
+          </a:p>
+          <a:p>
+            <a:r>
+              <a:rPr lang="fr-FR" sz="1600" dirty="0" smtClean="0"/>
+              <a:t>*Le </a:t>
+            </a:r>
+            <a:r>
+              <a:rPr lang="fr-FR" sz="1600" dirty="0" smtClean="0"/>
+              <a:t>temps de chargement </a:t>
+            </a:r>
+            <a:r>
+              <a:rPr lang="fr-FR" sz="1600" dirty="0" smtClean="0"/>
+              <a:t>                *Le </a:t>
+            </a:r>
+            <a:r>
+              <a:rPr lang="fr-FR" sz="1600" dirty="0" smtClean="0"/>
+              <a:t>design n’est pas intéressant.</a:t>
+            </a:r>
+          </a:p>
+          <a:p>
+            <a:r>
+              <a:rPr lang="fr-FR" sz="1600" dirty="0" smtClean="0"/>
+              <a:t>    des </a:t>
+            </a:r>
+            <a:r>
+              <a:rPr lang="fr-FR" sz="1600" dirty="0" smtClean="0"/>
+              <a:t>pages est rapide</a:t>
+            </a:r>
+            <a:r>
+              <a:rPr lang="fr-FR" sz="1600" dirty="0" smtClean="0"/>
+              <a:t>.                    *Un </a:t>
+            </a:r>
+            <a:r>
+              <a:rPr lang="fr-FR" sz="1600" dirty="0" smtClean="0"/>
+              <a:t>seul partenaire donc un seul choix.</a:t>
+            </a:r>
+          </a:p>
+          <a:p>
+            <a:endParaRPr lang="fr-FR" dirty="0" smtClean="0"/>
+          </a:p>
+          <a:p>
+            <a:endParaRPr lang="fr-FR" dirty="0" smtClean="0"/>
+          </a:p>
+        </p:txBody>
+      </p:sp>
     </p:spTree>
   </p:cSld>
   <p:clrMapOvr>
@@ -7823,7 +8137,11 @@
           <a:p>
             <a:pPr lvl="0" fontAlgn="base"/>
             <a:r>
-              <a:rPr lang="fr-FR" b="1" dirty="0"/>
+              <a:rPr lang="fr-FR" b="1" dirty="0">
+                <a:solidFill>
+                  <a:srgbClr val="FF0000"/>
+                </a:solidFill>
+              </a:rPr>
               <a:t>La modularité : </a:t>
             </a:r>
             <a:r>
@@ -7842,8 +8160,16 @@
           <a:p>
             <a:pPr lvl="0" fontAlgn="base"/>
             <a:r>
+              <a:rPr lang="fr-FR" b="1" dirty="0">
+                <a:solidFill>
+                  <a:srgbClr val="FF0000"/>
+                </a:solidFill>
+              </a:rPr>
+              <a:t>Performance :</a:t>
+            </a:r>
+            <a:r>
               <a:rPr lang="fr-FR" b="1" dirty="0"/>
-              <a:t>Performance : </a:t>
+              <a:t> </a:t>
             </a:r>
             <a:endParaRPr lang="fr-FR" dirty="0"/>
           </a:p>
@@ -7868,10 +8194,18 @@
           <a:p>
             <a:pPr lvl="0" fontAlgn="base"/>
             <a:r>
-              <a:rPr lang="fr-FR" b="1" dirty="0"/>
+              <a:rPr lang="fr-FR" b="1" dirty="0">
+                <a:solidFill>
+                  <a:srgbClr val="FF0000"/>
+                </a:solidFill>
+              </a:rPr>
               <a:t>Ergonomie :</a:t>
             </a:r>
-            <a:endParaRPr lang="fr-FR" dirty="0"/>
+            <a:endParaRPr lang="fr-FR" dirty="0">
+              <a:solidFill>
+                <a:srgbClr val="FF0000"/>
+              </a:solidFill>
+            </a:endParaRPr>
           </a:p>
           <a:p>
             <a:r>
